--- a/AppWorks InSource Plan Outline.pptx
+++ b/AppWorks InSource Plan Outline.pptx
@@ -261,7 +261,7 @@
           <a:p>
             <a:fld id="{3DE518A0-898B-466E-A471-A412378CF0B6}" type="datetimeFigureOut">
               <a:rPr lang="en-US" smtClean="0"/>
-              <a:t>4/21/2021</a:t>
+              <a:t>4/24/2021</a:t>
             </a:fld>
             <a:endParaRPr lang="en-US"/>
           </a:p>
@@ -22017,33 +22017,65 @@
 </file>
 
 <file path=customXml/item1.xml><?xml version="1.0" encoding="utf-8"?>
-<?mso-contentType ?>
-<FormTemplates xmlns="http://schemas.microsoft.com/sharepoint/v3/contenttype/forms">
-  <Display>DocumentLibraryForm</Display>
-  <Edit>DocumentLibraryForm</Edit>
-  <New>DocumentLibraryForm</New>
-</FormTemplates>
-</file>
-
-<file path=customXml/item2.xml><?xml version="1.0" encoding="utf-8"?>
-<p:properties xmlns:p="http://schemas.microsoft.com/office/2006/metadata/properties" xmlns:xsi="http://www.w3.org/2001/XMLSchema-instance" xmlns:pc="http://schemas.microsoft.com/office/infopath/2007/PartnerControls">
-  <documentManagement/>
-</p:properties>
-</file>
-
-<file path=customXml/item3.xml><?xml version="1.0" encoding="utf-8"?>
-<ct:contentTypeSchema xmlns:ct="http://schemas.microsoft.com/office/2006/metadata/contentType" xmlns:ma="http://schemas.microsoft.com/office/2006/metadata/properties/metaAttributes" ct:_="" ma:_="" ma:contentTypeName="Document" ma:contentTypeID="0x0101007308479BE8D01141B162EAD05A7F3C62" ma:contentTypeVersion="0" ma:contentTypeDescription="Create a new document." ma:contentTypeScope="" ma:versionID="65e4db8e2d11ae62c207c2e6bda98cf4">
-  <xsd:schema xmlns:xsd="http://www.w3.org/2001/XMLSchema" xmlns:xs="http://www.w3.org/2001/XMLSchema" xmlns:p="http://schemas.microsoft.com/office/2006/metadata/properties" targetNamespace="http://schemas.microsoft.com/office/2006/metadata/properties" ma:root="true" ma:fieldsID="60b3a9cae1b29cbf6e1eb9223b0e3c6f">
+<ct:contentTypeSchema xmlns:ct="http://schemas.microsoft.com/office/2006/metadata/contentType" xmlns:ma="http://schemas.microsoft.com/office/2006/metadata/properties/metaAttributes" ct:_="" ma:_="" ma:contentTypeName="Document" ma:contentTypeID="0x010100BCA8A3AAD860AF43A5F56579A66AAF6A" ma:contentTypeVersion="25" ma:contentTypeDescription="Create a new document." ma:contentTypeScope="" ma:versionID="60c377acc248de5c7cb2ccfb00799cf8">
+  <xsd:schema xmlns:xsd="http://www.w3.org/2001/XMLSchema" xmlns:xs="http://www.w3.org/2001/XMLSchema" xmlns:p="http://schemas.microsoft.com/office/2006/metadata/properties" xmlns:ns2="http://schemas.microsoft.com/sharepoint/v3/fields" xmlns:ns3="cb81d498-de36-4b83-b281-7a935f01c3ca" targetNamespace="http://schemas.microsoft.com/office/2006/metadata/properties" ma:root="true" ma:fieldsID="e3a4b3ab9e2ef9f38bc9aff4f27d9846" ns2:_="" ns3:_="">
+    <xsd:import namespace="http://schemas.microsoft.com/sharepoint/v3/fields"/>
+    <xsd:import namespace="cb81d498-de36-4b83-b281-7a935f01c3ca"/>
     <xsd:element name="properties">
       <xsd:complexType>
         <xsd:sequence>
           <xsd:element name="documentManagement">
             <xsd:complexType>
-              <xsd:all/>
+              <xsd:all>
+                <xsd:element ref="ns2:Location" minOccurs="0"/>
+                <xsd:element ref="ns2:_Format" minOccurs="0"/>
+                <xsd:element ref="ns2:_ResourceType" minOccurs="0"/>
+                <xsd:element ref="ns2:_Identifier" minOccurs="0"/>
+                <xsd:element ref="ns3:MediaServiceMetadata" minOccurs="0"/>
+                <xsd:element ref="ns3:MediaServiceFastMetadata" minOccurs="0"/>
+              </xsd:all>
             </xsd:complexType>
           </xsd:element>
         </xsd:sequence>
       </xsd:complexType>
+    </xsd:element>
+  </xsd:schema>
+  <xsd:schema xmlns:xsd="http://www.w3.org/2001/XMLSchema" xmlns:xs="http://www.w3.org/2001/XMLSchema" xmlns:dms="http://schemas.microsoft.com/office/2006/documentManagement/types" xmlns:pc="http://schemas.microsoft.com/office/infopath/2007/PartnerControls" targetNamespace="http://schemas.microsoft.com/sharepoint/v3/fields" elementFormDefault="qualified">
+    <xsd:import namespace="http://schemas.microsoft.com/office/2006/documentManagement/types"/>
+    <xsd:import namespace="http://schemas.microsoft.com/office/infopath/2007/PartnerControls"/>
+    <xsd:element name="Location" ma:index="8" nillable="true" ma:displayName="Location" ma:internalName="Location">
+      <xsd:simpleType>
+        <xsd:restriction base="dms:Text"/>
+      </xsd:simpleType>
+    </xsd:element>
+    <xsd:element name="_Format" ma:index="9" nillable="true" ma:displayName="Format" ma:description="Media-type, file format or dimensions" ma:internalName="_Format">
+      <xsd:simpleType>
+        <xsd:restriction base="dms:Text"/>
+      </xsd:simpleType>
+    </xsd:element>
+    <xsd:element name="_ResourceType" ma:index="10" nillable="true" ma:displayName="Resource Type" ma:description="A set of categories, functions, genres or aggregation levels" ma:internalName="_ResourceType">
+      <xsd:simpleType>
+        <xsd:restriction base="dms:Text"/>
+      </xsd:simpleType>
+    </xsd:element>
+    <xsd:element name="_Identifier" ma:index="11" nillable="true" ma:displayName="Resource Identifier" ma:description="An identifying string or number, usually conforming to a formal identification system" ma:internalName="_Identifier">
+      <xsd:simpleType>
+        <xsd:restriction base="dms:Text"/>
+      </xsd:simpleType>
+    </xsd:element>
+  </xsd:schema>
+  <xsd:schema xmlns:xsd="http://www.w3.org/2001/XMLSchema" xmlns:xs="http://www.w3.org/2001/XMLSchema" xmlns:dms="http://schemas.microsoft.com/office/2006/documentManagement/types" xmlns:pc="http://schemas.microsoft.com/office/infopath/2007/PartnerControls" targetNamespace="cb81d498-de36-4b83-b281-7a935f01c3ca" elementFormDefault="qualified">
+    <xsd:import namespace="http://schemas.microsoft.com/office/2006/documentManagement/types"/>
+    <xsd:import namespace="http://schemas.microsoft.com/office/infopath/2007/PartnerControls"/>
+    <xsd:element name="MediaServiceMetadata" ma:index="12" nillable="true" ma:displayName="MediaServiceMetadata" ma:hidden="true" ma:internalName="MediaServiceMetadata" ma:readOnly="true">
+      <xsd:simpleType>
+        <xsd:restriction base="dms:Note"/>
+      </xsd:simpleType>
+    </xsd:element>
+    <xsd:element name="MediaServiceFastMetadata" ma:index="13" nillable="true" ma:displayName="MediaServiceFastMetadata" ma:hidden="true" ma:internalName="MediaServiceFastMetadata" ma:readOnly="true">
+      <xsd:simpleType>
+        <xsd:restriction base="dms:Note"/>
+      </xsd:simpleType>
     </xsd:element>
   </xsd:schema>
   <xsd:schema xmlns="http://schemas.openxmlformats.org/package/2006/metadata/core-properties" xmlns:xsd="http://www.w3.org/2001/XMLSchema" xmlns:xsi="http://www.w3.org/2001/XMLSchema-instance" xmlns:dc="http://purl.org/dc/elements/1.1/" xmlns:dcterms="http://purl.org/dc/terms/" xmlns:odoc="http://schemas.microsoft.com/internal/obd" targetNamespace="http://schemas.openxmlformats.org/package/2006/metadata/core-properties" elementFormDefault="qualified" attributeFormDefault="unqualified" blockDefault="#all">
@@ -22055,7 +22087,7 @@
         <xsd:element ref="dc:creator" minOccurs="0" maxOccurs="1"/>
         <xsd:element ref="dcterms:created" minOccurs="0" maxOccurs="1"/>
         <xsd:element ref="dc:identifier" minOccurs="0" maxOccurs="1"/>
-        <xsd:element name="contentType" minOccurs="0" maxOccurs="1" type="xsd:string" ma:index="0" ma:displayName="Content Type"/>
+        <xsd:element name="contentType" minOccurs="0" maxOccurs="1" type="xsd:string" ma:index="0" ma:displayName="Content Type" ma:readOnly="true"/>
         <xsd:element ref="dc:title" minOccurs="0" maxOccurs="1" ma:index="4" ma:displayName="Title"/>
         <xsd:element ref="dc:subject" minOccurs="0" maxOccurs="1"/>
         <xsd:element ref="dc:description" minOccurs="0" maxOccurs="1"/>
@@ -22145,7 +22177,46 @@
 </ct:contentTypeSchema>
 </file>
 
+<file path=customXml/item2.xml><?xml version="1.0" encoding="utf-8"?>
+<?mso-contentType ?>
+<FormTemplates xmlns="http://schemas.microsoft.com/sharepoint/v3/contenttype/forms">
+  <Display>DocumentLibraryForm</Display>
+  <Edit>DocumentLibraryForm</Edit>
+  <New>DocumentLibraryForm</New>
+</FormTemplates>
+</file>
+
+<file path=customXml/item3.xml><?xml version="1.0" encoding="utf-8"?>
+<p:properties xmlns:p="http://schemas.microsoft.com/office/2006/metadata/properties" xmlns:xsi="http://www.w3.org/2001/XMLSchema-instance" xmlns:pc="http://schemas.microsoft.com/office/infopath/2007/PartnerControls">
+  <documentManagement>
+    <Location xmlns="http://schemas.microsoft.com/sharepoint/v3/fields" xsi:nil="true"/>
+    <_Format xmlns="http://schemas.microsoft.com/sharepoint/v3/fields" xsi:nil="true"/>
+    <_ResourceType xmlns="http://schemas.microsoft.com/sharepoint/v3/fields" xsi:nil="true"/>
+    <_Identifier xmlns="http://schemas.microsoft.com/sharepoint/v3/fields" xsi:nil="true"/>
+  </documentManagement>
+</p:properties>
+</file>
+
 <file path=customXml/itemProps1.xml><?xml version="1.0" encoding="utf-8"?>
+<ds:datastoreItem xmlns:ds="http://schemas.openxmlformats.org/officeDocument/2006/customXml" ds:itemID="{A7118D91-3FA2-4E76-96F1-3FBB9A0A7777}">
+  <ds:schemaRefs>
+    <ds:schemaRef ds:uri="http://schemas.microsoft.com/office/2006/metadata/contentType"/>
+    <ds:schemaRef ds:uri="http://schemas.microsoft.com/office/2006/metadata/properties/metaAttributes"/>
+    <ds:schemaRef ds:uri="http://www.w3.org/2001/XMLSchema"/>
+    <ds:schemaRef ds:uri="http://schemas.microsoft.com/office/2006/metadata/properties"/>
+    <ds:schemaRef ds:uri="http://schemas.microsoft.com/sharepoint/v3/fields"/>
+    <ds:schemaRef ds:uri="cb81d498-de36-4b83-b281-7a935f01c3ca"/>
+    <ds:schemaRef ds:uri="http://schemas.microsoft.com/office/2006/documentManagement/types"/>
+    <ds:schemaRef ds:uri="http://schemas.microsoft.com/office/infopath/2007/PartnerControls"/>
+    <ds:schemaRef ds:uri="http://schemas.openxmlformats.org/package/2006/metadata/core-properties"/>
+    <ds:schemaRef ds:uri="http://purl.org/dc/elements/1.1/"/>
+    <ds:schemaRef ds:uri="http://purl.org/dc/terms/"/>
+    <ds:schemaRef ds:uri="http://schemas.microsoft.com/internal/obd"/>
+  </ds:schemaRefs>
+</ds:datastoreItem>
+</file>
+
+<file path=customXml/itemProps2.xml><?xml version="1.0" encoding="utf-8"?>
 <ds:datastoreItem xmlns:ds="http://schemas.openxmlformats.org/officeDocument/2006/customXml" ds:itemID="{C98B6173-E7E8-488B-9BC0-329172A34D3A}">
   <ds:schemaRefs>
     <ds:schemaRef ds:uri="http://schemas.microsoft.com/sharepoint/v3/contenttype/forms"/>
@@ -22153,33 +22224,18 @@
 </ds:datastoreItem>
 </file>
 
-<file path=customXml/itemProps2.xml><?xml version="1.0" encoding="utf-8"?>
+<file path=customXml/itemProps3.xml><?xml version="1.0" encoding="utf-8"?>
 <ds:datastoreItem xmlns:ds="http://schemas.openxmlformats.org/officeDocument/2006/customXml" ds:itemID="{02A672B2-2F8F-4CB8-BF6F-4EE47D35390A}">
   <ds:schemaRefs>
-    <ds:schemaRef ds:uri="http://schemas.microsoft.com/office/2006/documentManagement/types"/>
+    <ds:schemaRef ds:uri="http://schemas.microsoft.com/sharepoint/v3/fields"/>
+    <ds:schemaRef ds:uri="http://purl.org/dc/elements/1.1/"/>
     <ds:schemaRef ds:uri="http://schemas.microsoft.com/office/infopath/2007/PartnerControls"/>
     <ds:schemaRef ds:uri="http://purl.org/dc/dcmitype/"/>
-    <ds:schemaRef ds:uri="http://purl.org/dc/elements/1.1/"/>
+    <ds:schemaRef ds:uri="http://schemas.openxmlformats.org/package/2006/metadata/core-properties"/>
+    <ds:schemaRef ds:uri="http://schemas.microsoft.com/office/2006/documentManagement/types"/>
+    <ds:schemaRef ds:uri="http://www.w3.org/XML/1998/namespace"/>
     <ds:schemaRef ds:uri="http://schemas.microsoft.com/office/2006/metadata/properties"/>
-    <ds:schemaRef ds:uri="http://www.w3.org/XML/1998/namespace"/>
-    <ds:schemaRef ds:uri="http://schemas.openxmlformats.org/package/2006/metadata/core-properties"/>
     <ds:schemaRef ds:uri="http://purl.org/dc/terms/"/>
   </ds:schemaRefs>
 </ds:datastoreItem>
-</file>
-
-<file path=customXml/itemProps3.xml><?xml version="1.0" encoding="utf-8"?>
-<ds:datastoreItem xmlns:ds="http://schemas.openxmlformats.org/officeDocument/2006/customXml" ds:itemID="{61C4A898-F353-40CB-9009-EF79A8C9DF67}">
-  <ds:schemaRefs>
-    <ds:schemaRef ds:uri="http://schemas.microsoft.com/office/2006/metadata/contentType"/>
-    <ds:schemaRef ds:uri="http://schemas.microsoft.com/office/2006/metadata/properties/metaAttributes"/>
-    <ds:schemaRef ds:uri="http://www.w3.org/2001/XMLSchema"/>
-    <ds:schemaRef ds:uri="http://schemas.microsoft.com/office/2006/metadata/properties"/>
-    <ds:schemaRef ds:uri="http://schemas.openxmlformats.org/package/2006/metadata/core-properties"/>
-    <ds:schemaRef ds:uri="http://purl.org/dc/elements/1.1/"/>
-    <ds:schemaRef ds:uri="http://purl.org/dc/terms/"/>
-    <ds:schemaRef ds:uri="http://schemas.microsoft.com/internal/obd"/>
-    <ds:schemaRef ds:uri="http://schemas.microsoft.com/office/infopath/2007/PartnerControls"/>
-  </ds:schemaRefs>
-</ds:datastoreItem>
 </file>